--- a/img/overview.pptx
+++ b/img/overview.pptx
@@ -243,7 +243,7 @@
           <a:p>
             <a:fld id="{EEB6241C-A713-4630-9562-3A5EAA433FD2}" type="datetimeFigureOut">
               <a:rPr lang="de-DE" smtClean="0"/>
-              <a:t>26.10.2015</a:t>
+              <a:t>16.12.2015</a:t>
             </a:fld>
             <a:endParaRPr lang="de-DE"/>
           </a:p>
@@ -413,7 +413,7 @@
           <a:p>
             <a:fld id="{EEB6241C-A713-4630-9562-3A5EAA433FD2}" type="datetimeFigureOut">
               <a:rPr lang="de-DE" smtClean="0"/>
-              <a:t>26.10.2015</a:t>
+              <a:t>16.12.2015</a:t>
             </a:fld>
             <a:endParaRPr lang="de-DE"/>
           </a:p>
@@ -593,7 +593,7 @@
           <a:p>
             <a:fld id="{EEB6241C-A713-4630-9562-3A5EAA433FD2}" type="datetimeFigureOut">
               <a:rPr lang="de-DE" smtClean="0"/>
-              <a:t>26.10.2015</a:t>
+              <a:t>16.12.2015</a:t>
             </a:fld>
             <a:endParaRPr lang="de-DE"/>
           </a:p>
@@ -763,7 +763,7 @@
           <a:p>
             <a:fld id="{EEB6241C-A713-4630-9562-3A5EAA433FD2}" type="datetimeFigureOut">
               <a:rPr lang="de-DE" smtClean="0"/>
-              <a:t>26.10.2015</a:t>
+              <a:t>16.12.2015</a:t>
             </a:fld>
             <a:endParaRPr lang="de-DE"/>
           </a:p>
@@ -1007,7 +1007,7 @@
           <a:p>
             <a:fld id="{EEB6241C-A713-4630-9562-3A5EAA433FD2}" type="datetimeFigureOut">
               <a:rPr lang="de-DE" smtClean="0"/>
-              <a:t>26.10.2015</a:t>
+              <a:t>16.12.2015</a:t>
             </a:fld>
             <a:endParaRPr lang="de-DE"/>
           </a:p>
@@ -1239,7 +1239,7 @@
           <a:p>
             <a:fld id="{EEB6241C-A713-4630-9562-3A5EAA433FD2}" type="datetimeFigureOut">
               <a:rPr lang="de-DE" smtClean="0"/>
-              <a:t>26.10.2015</a:t>
+              <a:t>16.12.2015</a:t>
             </a:fld>
             <a:endParaRPr lang="de-DE"/>
           </a:p>
@@ -1606,7 +1606,7 @@
           <a:p>
             <a:fld id="{EEB6241C-A713-4630-9562-3A5EAA433FD2}" type="datetimeFigureOut">
               <a:rPr lang="de-DE" smtClean="0"/>
-              <a:t>26.10.2015</a:t>
+              <a:t>16.12.2015</a:t>
             </a:fld>
             <a:endParaRPr lang="de-DE"/>
           </a:p>
@@ -1724,7 +1724,7 @@
           <a:p>
             <a:fld id="{EEB6241C-A713-4630-9562-3A5EAA433FD2}" type="datetimeFigureOut">
               <a:rPr lang="de-DE" smtClean="0"/>
-              <a:t>26.10.2015</a:t>
+              <a:t>16.12.2015</a:t>
             </a:fld>
             <a:endParaRPr lang="de-DE"/>
           </a:p>
@@ -1819,7 +1819,7 @@
           <a:p>
             <a:fld id="{EEB6241C-A713-4630-9562-3A5EAA433FD2}" type="datetimeFigureOut">
               <a:rPr lang="de-DE" smtClean="0"/>
-              <a:t>26.10.2015</a:t>
+              <a:t>16.12.2015</a:t>
             </a:fld>
             <a:endParaRPr lang="de-DE"/>
           </a:p>
@@ -2096,7 +2096,7 @@
           <a:p>
             <a:fld id="{EEB6241C-A713-4630-9562-3A5EAA433FD2}" type="datetimeFigureOut">
               <a:rPr lang="de-DE" smtClean="0"/>
-              <a:t>26.10.2015</a:t>
+              <a:t>16.12.2015</a:t>
             </a:fld>
             <a:endParaRPr lang="de-DE"/>
           </a:p>
@@ -2353,7 +2353,7 @@
           <a:p>
             <a:fld id="{EEB6241C-A713-4630-9562-3A5EAA433FD2}" type="datetimeFigureOut">
               <a:rPr lang="de-DE" smtClean="0"/>
-              <a:t>26.10.2015</a:t>
+              <a:t>16.12.2015</a:t>
             </a:fld>
             <a:endParaRPr lang="de-DE"/>
           </a:p>
@@ -2566,7 +2566,7 @@
           <a:p>
             <a:fld id="{EEB6241C-A713-4630-9562-3A5EAA433FD2}" type="datetimeFigureOut">
               <a:rPr lang="de-DE" smtClean="0"/>
-              <a:t>26.10.2015</a:t>
+              <a:t>16.12.2015</a:t>
             </a:fld>
             <a:endParaRPr lang="de-DE"/>
           </a:p>
@@ -2971,6 +2971,44 @@
           <a:chExt cx="0" cy="0"/>
         </a:xfrm>
       </p:grpSpPr>
+      <p:cxnSp>
+        <p:nvCxnSpPr>
+          <p:cNvPr id="83" name="Gekrümmter Verbinder 169"/>
+          <p:cNvCxnSpPr/>
+          <p:nvPr/>
+        </p:nvCxnSpPr>
+        <p:spPr>
+          <a:xfrm>
+            <a:off x="2834966" y="1675273"/>
+            <a:ext cx="473758" cy="1056247"/>
+          </a:xfrm>
+          <a:prstGeom prst="straightConnector1">
+            <a:avLst/>
+          </a:prstGeom>
+          <a:ln w="28575" cap="rnd">
+            <a:solidFill>
+              <a:srgbClr val="FF5252"/>
+            </a:solidFill>
+            <a:round/>
+            <a:headEnd type="triangle" w="med" len="lg"/>
+            <a:tailEnd type="triangle" w="med" len="lg"/>
+          </a:ln>
+        </p:spPr>
+        <p:style>
+          <a:lnRef idx="1">
+            <a:schemeClr val="accent1"/>
+          </a:lnRef>
+          <a:fillRef idx="0">
+            <a:schemeClr val="accent1"/>
+          </a:fillRef>
+          <a:effectRef idx="0">
+            <a:schemeClr val="accent1"/>
+          </a:effectRef>
+          <a:fontRef idx="minor">
+            <a:schemeClr val="tx1"/>
+          </a:fontRef>
+        </p:style>
+      </p:cxnSp>
       <p:sp>
         <p:nvSpPr>
           <p:cNvPr id="156" name="Ellipse 155"/>
@@ -2988,7 +3026,7 @@
           <a:noFill/>
           <a:ln w="9525">
             <a:solidFill>
-              <a:srgbClr val="D20015"/>
+              <a:srgbClr val="FF5252"/>
             </a:solidFill>
           </a:ln>
         </p:spPr>
@@ -3014,7 +3052,7 @@
           <a:p>
             <a:pPr algn="ctr"/>
             <a:endParaRPr lang="en-US" dirty="0">
-              <a:latin typeface="Merriweather" panose="02060503050406030704" pitchFamily="18" charset="0"/>
+              <a:latin typeface="Merriweather Sans" panose="02000503060000020004" pitchFamily="2" charset="0"/>
               <a:ea typeface="Microsoft Sans Serif" panose="020B0604020202020204" pitchFamily="34" charset="0"/>
               <a:cs typeface="Microsoft Sans Serif" panose="020B0604020202020204" pitchFamily="34" charset="0"/>
             </a:endParaRPr>
@@ -3029,13 +3067,13 @@
         </p:nvGrpSpPr>
         <p:grpSpPr>
           <a:xfrm>
-            <a:off x="5915001" y="1431446"/>
+            <a:off x="5988620" y="1681050"/>
             <a:ext cx="1440000" cy="1440000"/>
             <a:chOff x="853240" y="169945"/>
             <a:chExt cx="1440000" cy="1440000"/>
           </a:xfrm>
           <a:solidFill>
-            <a:srgbClr val="003359"/>
+            <a:srgbClr val="195B8B"/>
           </a:solidFill>
         </p:grpSpPr>
         <p:sp>
@@ -3081,7 +3119,7 @@
             <a:p>
               <a:pPr algn="ctr"/>
               <a:endParaRPr lang="en-US" sz="1600" dirty="0">
-                <a:latin typeface="Merriweather" panose="02060503050406030704" pitchFamily="18" charset="0"/>
+                <a:latin typeface="Merriweather Sans" panose="02000503060000020004" pitchFamily="2" charset="0"/>
               </a:endParaRPr>
             </a:p>
           </p:txBody>
@@ -3094,8 +3132,8 @@
           </p:nvSpPr>
           <p:spPr>
             <a:xfrm>
-              <a:off x="1040081" y="705279"/>
-              <a:ext cx="1066318" cy="338554"/>
+              <a:off x="1060920" y="705279"/>
+              <a:ext cx="1024639" cy="338554"/>
             </a:xfrm>
             <a:prstGeom prst="rect">
               <a:avLst/>
@@ -3114,7 +3152,7 @@
                   <a:solidFill>
                     <a:schemeClr val="bg1"/>
                   </a:solidFill>
-                  <a:latin typeface="Merriweather" panose="02060503050406030704" pitchFamily="18" charset="0"/>
+                  <a:latin typeface="Merriweather Sans" panose="02000503060000020004" pitchFamily="2" charset="0"/>
                   <a:ea typeface="Microsoft Sans Serif" panose="020B0604020202020204" pitchFamily="34" charset="0"/>
                   <a:cs typeface="Microsoft Sans Serif" panose="020B0604020202020204" pitchFamily="34" charset="0"/>
                 </a:rPr>
@@ -3124,7 +3162,7 @@
                 <a:solidFill>
                   <a:srgbClr val="D20015"/>
                 </a:solidFill>
-                <a:latin typeface="Merriweather" panose="02060503050406030704" pitchFamily="18" charset="0"/>
+                <a:latin typeface="Merriweather Sans" panose="02000503060000020004" pitchFamily="2" charset="0"/>
                 <a:ea typeface="Microsoft Sans Serif" panose="020B0604020202020204" pitchFamily="34" charset="0"/>
                 <a:cs typeface="Microsoft Sans Serif" panose="020B0604020202020204" pitchFamily="34" charset="0"/>
               </a:endParaRPr>
@@ -3140,13 +3178,13 @@
         </p:nvGrpSpPr>
         <p:grpSpPr>
           <a:xfrm>
-            <a:off x="3157569" y="23631"/>
+            <a:off x="3520671" y="16208"/>
             <a:ext cx="1575101" cy="1440000"/>
             <a:chOff x="4128300" y="102586"/>
             <a:chExt cx="1575101" cy="1440000"/>
           </a:xfrm>
           <a:solidFill>
-            <a:srgbClr val="003359"/>
+            <a:srgbClr val="195B8B"/>
           </a:solidFill>
         </p:grpSpPr>
         <p:sp>
@@ -3192,7 +3230,7 @@
             <a:p>
               <a:pPr algn="ctr"/>
               <a:endParaRPr lang="en-US" sz="1600" dirty="0">
-                <a:latin typeface="Merriweather" panose="02060503050406030704" pitchFamily="18" charset="0"/>
+                <a:latin typeface="Merriweather Sans" panose="02000503060000020004" pitchFamily="2" charset="0"/>
               </a:endParaRPr>
             </a:p>
           </p:txBody>
@@ -3225,7 +3263,7 @@
                   <a:solidFill>
                     <a:schemeClr val="bg1"/>
                   </a:solidFill>
-                  <a:latin typeface="Merriweather" panose="02060503050406030704" pitchFamily="18" charset="0"/>
+                  <a:latin typeface="Merriweather Sans" panose="02000503060000020004" pitchFamily="2" charset="0"/>
                   <a:ea typeface="Microsoft Sans Serif" panose="020B0604020202020204" pitchFamily="34" charset="0"/>
                   <a:cs typeface="Microsoft Sans Serif" panose="020B0604020202020204" pitchFamily="34" charset="0"/>
                 </a:rPr>
@@ -3239,7 +3277,7 @@
                   <a:solidFill>
                     <a:schemeClr val="bg1"/>
                   </a:solidFill>
-                  <a:latin typeface="Merriweather" panose="02060503050406030704" pitchFamily="18" charset="0"/>
+                  <a:latin typeface="Merriweather Sans" panose="02000503060000020004" pitchFamily="2" charset="0"/>
                   <a:ea typeface="Microsoft Sans Serif" panose="020B0604020202020204" pitchFamily="34" charset="0"/>
                   <a:cs typeface="Microsoft Sans Serif" panose="020B0604020202020204" pitchFamily="34" charset="0"/>
                 </a:rPr>
@@ -3249,7 +3287,7 @@
                 <a:solidFill>
                   <a:srgbClr val="D20015"/>
                 </a:solidFill>
-                <a:latin typeface="Merriweather" panose="02060503050406030704" pitchFamily="18" charset="0"/>
+                <a:latin typeface="Merriweather Sans" panose="02000503060000020004" pitchFamily="2" charset="0"/>
                 <a:ea typeface="Microsoft Sans Serif" panose="020B0604020202020204" pitchFamily="34" charset="0"/>
                 <a:cs typeface="Microsoft Sans Serif" panose="020B0604020202020204" pitchFamily="34" charset="0"/>
               </a:endParaRPr>
@@ -3265,13 +3303,13 @@
         </p:nvGrpSpPr>
         <p:grpSpPr>
           <a:xfrm>
-            <a:off x="4750462" y="409842"/>
+            <a:off x="5021128" y="558589"/>
             <a:ext cx="1440000" cy="1440000"/>
             <a:chOff x="853240" y="169945"/>
             <a:chExt cx="1440000" cy="1440000"/>
           </a:xfrm>
           <a:solidFill>
-            <a:srgbClr val="003359"/>
+            <a:srgbClr val="195B8B"/>
           </a:solidFill>
         </p:grpSpPr>
         <p:sp>
@@ -3317,7 +3355,7 @@
             <a:p>
               <a:pPr algn="ctr"/>
               <a:endParaRPr lang="en-US" sz="1600" dirty="0">
-                <a:latin typeface="Merriweather" panose="02060503050406030704" pitchFamily="18" charset="0"/>
+                <a:latin typeface="Merriweather Sans" panose="02000503060000020004" pitchFamily="2" charset="0"/>
               </a:endParaRPr>
             </a:p>
           </p:txBody>
@@ -3330,8 +3368,8 @@
           </p:nvSpPr>
           <p:spPr>
             <a:xfrm>
-              <a:off x="1107408" y="705279"/>
-              <a:ext cx="931665" cy="338554"/>
+              <a:off x="1133056" y="705279"/>
+              <a:ext cx="880369" cy="338554"/>
             </a:xfrm>
             <a:prstGeom prst="rect">
               <a:avLst/>
@@ -3350,7 +3388,7 @@
                   <a:solidFill>
                     <a:schemeClr val="bg1"/>
                   </a:solidFill>
-                  <a:latin typeface="Merriweather" panose="02060503050406030704" pitchFamily="18" charset="0"/>
+                  <a:latin typeface="Merriweather Sans" panose="02000503060000020004" pitchFamily="2" charset="0"/>
                   <a:ea typeface="Microsoft Sans Serif" panose="020B0604020202020204" pitchFamily="34" charset="0"/>
                   <a:cs typeface="Microsoft Sans Serif" panose="020B0604020202020204" pitchFamily="34" charset="0"/>
                 </a:rPr>
@@ -3360,7 +3398,7 @@
                 <a:solidFill>
                   <a:srgbClr val="D20015"/>
                 </a:solidFill>
-                <a:latin typeface="Merriweather" panose="02060503050406030704" pitchFamily="18" charset="0"/>
+                <a:latin typeface="Merriweather Sans" panose="02000503060000020004" pitchFamily="2" charset="0"/>
                 <a:ea typeface="Microsoft Sans Serif" panose="020B0604020202020204" pitchFamily="34" charset="0"/>
                 <a:cs typeface="Microsoft Sans Serif" panose="020B0604020202020204" pitchFamily="34" charset="0"/>
               </a:endParaRPr>
@@ -3376,10 +3414,10 @@
         </p:nvGrpSpPr>
         <p:grpSpPr>
           <a:xfrm>
-            <a:off x="986913" y="842473"/>
-            <a:ext cx="1440000" cy="1440000"/>
-            <a:chOff x="824652" y="169945"/>
-            <a:chExt cx="1440000" cy="1440000"/>
+            <a:off x="527099" y="1057543"/>
+            <a:ext cx="1449898" cy="1440000"/>
+            <a:chOff x="814754" y="169945"/>
+            <a:chExt cx="1449898" cy="1440000"/>
           </a:xfrm>
           <a:solidFill>
             <a:srgbClr val="003359"/>
@@ -3399,7 +3437,9 @@
             <a:prstGeom prst="ellipse">
               <a:avLst/>
             </a:prstGeom>
-            <a:grpFill/>
+            <a:solidFill>
+              <a:srgbClr val="195B8B"/>
+            </a:solidFill>
             <a:ln>
               <a:solidFill>
                 <a:schemeClr val="bg1"/>
@@ -3428,7 +3468,7 @@
             <a:p>
               <a:pPr algn="ctr"/>
               <a:endParaRPr lang="en-US" sz="1600" dirty="0">
-                <a:latin typeface="Merriweather" panose="02060503050406030704" pitchFamily="18" charset="0"/>
+                <a:latin typeface="Merriweather Sans" panose="02000503060000020004" pitchFamily="2" charset="0"/>
               </a:endParaRPr>
             </a:p>
           </p:txBody>
@@ -3441,16 +3481,16 @@
           </p:nvSpPr>
           <p:spPr>
             <a:xfrm>
-              <a:off x="982639" y="617596"/>
-              <a:ext cx="1124026" cy="584775"/>
+              <a:off x="814754" y="723671"/>
+              <a:ext cx="1440002" cy="338554"/>
             </a:xfrm>
             <a:prstGeom prst="rect">
               <a:avLst/>
             </a:prstGeom>
-            <a:grpFill/>
+            <a:noFill/>
           </p:spPr>
           <p:txBody>
-            <a:bodyPr wrap="none">
+            <a:bodyPr wrap="square">
               <a:spAutoFit/>
             </a:bodyPr>
             <a:lstStyle/>
@@ -3461,31 +3501,17 @@
                   <a:solidFill>
                     <a:schemeClr val="bg1"/>
                   </a:solidFill>
-                  <a:latin typeface="Merriweather" panose="02060503050406030704" pitchFamily="18" charset="0"/>
+                  <a:latin typeface="Merriweather Sans" panose="02000503060000020004" pitchFamily="2" charset="0"/>
                   <a:ea typeface="Microsoft Sans Serif" panose="020B0604020202020204" pitchFamily="34" charset="0"/>
                   <a:cs typeface="Microsoft Sans Serif" panose="020B0604020202020204" pitchFamily="34" charset="0"/>
                 </a:rPr>
-                <a:t>Generic</a:t>
-              </a:r>
-            </a:p>
-            <a:p>
-              <a:pPr algn="ctr"/>
-              <a:r>
-                <a:rPr lang="en-US" sz="1600" dirty="0" smtClean="0">
-                  <a:solidFill>
-                    <a:schemeClr val="bg1"/>
-                  </a:solidFill>
-                  <a:latin typeface="Merriweather" panose="02060503050406030704" pitchFamily="18" charset="0"/>
-                  <a:ea typeface="Microsoft Sans Serif" panose="020B0604020202020204" pitchFamily="34" charset="0"/>
-                  <a:cs typeface="Microsoft Sans Serif" panose="020B0604020202020204" pitchFamily="34" charset="0"/>
-                </a:rPr>
-                <a:t>SC Client</a:t>
+                <a:t>SC Modeler</a:t>
               </a:r>
               <a:endParaRPr lang="en-US" sz="1600" dirty="0">
                 <a:solidFill>
                   <a:srgbClr val="D20015"/>
                 </a:solidFill>
-                <a:latin typeface="Merriweather" panose="02060503050406030704" pitchFamily="18" charset="0"/>
+                <a:latin typeface="Merriweather Sans" panose="02000503060000020004" pitchFamily="2" charset="0"/>
                 <a:ea typeface="Microsoft Sans Serif" panose="020B0604020202020204" pitchFamily="34" charset="0"/>
                 <a:cs typeface="Microsoft Sans Serif" panose="020B0604020202020204" pitchFamily="34" charset="0"/>
               </a:endParaRPr>
@@ -3501,10 +3527,10 @@
         </p:nvGrpSpPr>
         <p:grpSpPr>
           <a:xfrm>
-            <a:off x="103633" y="2116327"/>
-            <a:ext cx="1440000" cy="1440000"/>
-            <a:chOff x="853240" y="169945"/>
-            <a:chExt cx="1440000" cy="1440000"/>
+            <a:off x="21116" y="2457054"/>
+            <a:ext cx="1451039" cy="1440000"/>
+            <a:chOff x="846797" y="169945"/>
+            <a:chExt cx="1451039" cy="1440000"/>
           </a:xfrm>
           <a:solidFill>
             <a:srgbClr val="003359"/>
@@ -3524,7 +3550,9 @@
             <a:prstGeom prst="ellipse">
               <a:avLst/>
             </a:prstGeom>
-            <a:grpFill/>
+            <a:solidFill>
+              <a:srgbClr val="195B8B"/>
+            </a:solidFill>
             <a:ln>
               <a:solidFill>
                 <a:schemeClr val="bg1"/>
@@ -3553,7 +3581,7 @@
             <a:p>
               <a:pPr algn="ctr"/>
               <a:endParaRPr lang="en-US" sz="1600" dirty="0">
-                <a:latin typeface="Merriweather" panose="02060503050406030704" pitchFamily="18" charset="0"/>
+                <a:latin typeface="Merriweather Sans" panose="02000503060000020004" pitchFamily="2" charset="0"/>
               </a:endParaRPr>
             </a:p>
           </p:txBody>
@@ -3566,8 +3594,8 @@
           </p:nvSpPr>
           <p:spPr>
             <a:xfrm>
-              <a:off x="916650" y="536247"/>
-              <a:ext cx="1313180" cy="861774"/>
+              <a:off x="846797" y="701135"/>
+              <a:ext cx="1451039" cy="338554"/>
             </a:xfrm>
             <a:prstGeom prst="rect">
               <a:avLst/>
@@ -3586,45 +3614,17 @@
                   <a:solidFill>
                     <a:schemeClr val="bg1"/>
                   </a:solidFill>
-                  <a:latin typeface="Merriweather" panose="02060503050406030704" pitchFamily="18" charset="0"/>
+                  <a:latin typeface="Merriweather Sans" panose="02000503060000020004" pitchFamily="2" charset="0"/>
                   <a:ea typeface="Microsoft Sans Serif" panose="020B0604020202020204" pitchFamily="34" charset="0"/>
                   <a:cs typeface="Microsoft Sans Serif" panose="020B0604020202020204" pitchFamily="34" charset="0"/>
                 </a:rPr>
-                <a:t>Integrated </a:t>
-              </a:r>
-            </a:p>
-            <a:p>
-              <a:pPr algn="ctr"/>
-              <a:r>
-                <a:rPr lang="en-US" sz="1600" dirty="0" smtClean="0">
-                  <a:solidFill>
-                    <a:schemeClr val="bg1"/>
-                  </a:solidFill>
-                  <a:latin typeface="Merriweather" panose="02060503050406030704" pitchFamily="18" charset="0"/>
-                  <a:ea typeface="Microsoft Sans Serif" panose="020B0604020202020204" pitchFamily="34" charset="0"/>
-                  <a:cs typeface="Microsoft Sans Serif" panose="020B0604020202020204" pitchFamily="34" charset="0"/>
-                </a:rPr>
-                <a:t>Modelling </a:t>
-              </a:r>
-            </a:p>
-            <a:p>
-              <a:pPr algn="ctr"/>
-              <a:r>
-                <a:rPr lang="en-US" sz="1600" dirty="0" smtClean="0">
-                  <a:solidFill>
-                    <a:schemeClr val="bg1"/>
-                  </a:solidFill>
-                  <a:latin typeface="Merriweather" panose="02060503050406030704" pitchFamily="18" charset="0"/>
-                  <a:ea typeface="Microsoft Sans Serif" panose="020B0604020202020204" pitchFamily="34" charset="0"/>
-                  <a:cs typeface="Microsoft Sans Serif" panose="020B0604020202020204" pitchFamily="34" charset="0"/>
-                </a:rPr>
-                <a:t>Client</a:t>
+                <a:t>SC Visualizer</a:t>
               </a:r>
               <a:endParaRPr lang="en-US" sz="1600" dirty="0">
                 <a:solidFill>
                   <a:srgbClr val="D20015"/>
                 </a:solidFill>
-                <a:latin typeface="Merriweather" panose="02060503050406030704" pitchFamily="18" charset="0"/>
+                <a:latin typeface="Merriweather Sans" panose="02000503060000020004" pitchFamily="2" charset="0"/>
                 <a:ea typeface="Microsoft Sans Serif" panose="020B0604020202020204" pitchFamily="34" charset="0"/>
                 <a:cs typeface="Microsoft Sans Serif" panose="020B0604020202020204" pitchFamily="34" charset="0"/>
               </a:endParaRPr>
@@ -3640,7 +3640,7 @@
         </p:nvGrpSpPr>
         <p:grpSpPr>
           <a:xfrm>
-            <a:off x="6469017" y="2851190"/>
+            <a:off x="6340785" y="3145651"/>
             <a:ext cx="1440000" cy="1440000"/>
             <a:chOff x="836353" y="187229"/>
             <a:chExt cx="1440000" cy="1440000"/>
@@ -3663,7 +3663,9 @@
             <a:prstGeom prst="ellipse">
               <a:avLst/>
             </a:prstGeom>
-            <a:grpFill/>
+            <a:solidFill>
+              <a:srgbClr val="195B8B"/>
+            </a:solidFill>
             <a:ln>
               <a:solidFill>
                 <a:schemeClr val="bg1"/>
@@ -3692,7 +3694,7 @@
             <a:p>
               <a:pPr algn="ctr"/>
               <a:endParaRPr lang="en-US" sz="2400" dirty="0">
-                <a:latin typeface="Merriweather" panose="02060503050406030704" pitchFamily="18" charset="0"/>
+                <a:latin typeface="Merriweather Sans" panose="02000503060000020004" pitchFamily="2" charset="0"/>
               </a:endParaRPr>
             </a:p>
           </p:txBody>
@@ -3711,7 +3713,9 @@
             <a:prstGeom prst="rect">
               <a:avLst/>
             </a:prstGeom>
-            <a:grpFill/>
+            <a:solidFill>
+              <a:srgbClr val="195B8B"/>
+            </a:solidFill>
           </p:spPr>
           <p:txBody>
             <a:bodyPr wrap="none">
@@ -3725,7 +3729,7 @@
                   <a:solidFill>
                     <a:schemeClr val="bg1"/>
                   </a:solidFill>
-                  <a:latin typeface="Merriweather" panose="02060503050406030704" pitchFamily="18" charset="0"/>
+                  <a:latin typeface="Merriweather Sans" panose="02000503060000020004" pitchFamily="2" charset="0"/>
                   <a:ea typeface="Microsoft Sans Serif" panose="020B0604020202020204" pitchFamily="34" charset="0"/>
                   <a:cs typeface="Microsoft Sans Serif" panose="020B0604020202020204" pitchFamily="34" charset="0"/>
                 </a:rPr>
@@ -3735,7 +3739,7 @@
                 <a:solidFill>
                   <a:srgbClr val="D20015"/>
                 </a:solidFill>
-                <a:latin typeface="Merriweather" panose="02060503050406030704" pitchFamily="18" charset="0"/>
+                <a:latin typeface="Merriweather Sans" panose="02000503060000020004" pitchFamily="2" charset="0"/>
                 <a:ea typeface="Microsoft Sans Serif" panose="020B0604020202020204" pitchFamily="34" charset="0"/>
                 <a:cs typeface="Microsoft Sans Serif" panose="020B0604020202020204" pitchFamily="34" charset="0"/>
               </a:endParaRPr>
@@ -3758,7 +3762,7 @@
             <a:avLst/>
           </a:prstGeom>
           <a:solidFill>
-            <a:srgbClr val="003359"/>
+            <a:srgbClr val="195B8B"/>
           </a:solidFill>
           <a:ln>
             <a:solidFill>
@@ -3788,7 +3792,7 @@
           <a:p>
             <a:pPr algn="ctr"/>
             <a:endParaRPr lang="en-US" dirty="0">
-              <a:latin typeface="Merriweather" panose="02060503050406030704" pitchFamily="18" charset="0"/>
+              <a:latin typeface="Merriweather Sans" panose="02000503060000020004" pitchFamily="2" charset="0"/>
             </a:endParaRPr>
           </a:p>
         </p:txBody>
@@ -3808,7 +3812,7 @@
             <a:avLst/>
           </a:prstGeom>
           <a:solidFill>
-            <a:srgbClr val="003359"/>
+            <a:srgbClr val="195B8B"/>
           </a:solidFill>
           <a:ln>
             <a:solidFill>
@@ -3838,7 +3842,7 @@
           <a:p>
             <a:pPr algn="ctr"/>
             <a:endParaRPr lang="en-US" dirty="0">
-              <a:latin typeface="Merriweather" panose="02060503050406030704" pitchFamily="18" charset="0"/>
+              <a:latin typeface="Merriweather Sans" panose="02000503060000020004" pitchFamily="2" charset="0"/>
             </a:endParaRPr>
           </a:p>
         </p:txBody>
@@ -3858,7 +3862,7 @@
             <a:avLst/>
           </a:prstGeom>
           <a:solidFill>
-            <a:srgbClr val="003359"/>
+            <a:srgbClr val="195B8B"/>
           </a:solidFill>
           <a:ln>
             <a:solidFill>
@@ -3888,7 +3892,7 @@
           <a:p>
             <a:pPr algn="ctr"/>
             <a:endParaRPr lang="en-US" dirty="0">
-              <a:latin typeface="Merriweather" panose="02060503050406030704" pitchFamily="18" charset="0"/>
+              <a:latin typeface="Merriweather Sans" panose="02000503060000020004" pitchFamily="2" charset="0"/>
             </a:endParaRPr>
           </a:p>
         </p:txBody>
@@ -3907,7 +3911,7 @@
             <a:chExt cx="279937" cy="282944"/>
           </a:xfrm>
           <a:solidFill>
-            <a:srgbClr val="003359"/>
+            <a:srgbClr val="195B8B"/>
           </a:solidFill>
         </p:grpSpPr>
         <p:sp>
@@ -4016,7 +4020,7 @@
                 <a:solidFill>
                   <a:schemeClr val="tx1"/>
                 </a:solidFill>
-                <a:latin typeface="Merriweather" panose="02060503050406030704" pitchFamily="18" charset="0"/>
+                <a:latin typeface="Merriweather Sans" panose="02000503060000020004" pitchFamily="2" charset="0"/>
                 <a:ea typeface="Microsoft Sans Serif" panose="020B0604020202020204" pitchFamily="34" charset="0"/>
                 <a:cs typeface="Microsoft Sans Serif" panose="020B0604020202020204" pitchFamily="34" charset="0"/>
               </a:endParaRPr>
@@ -4091,7 +4095,7 @@
                 <a:solidFill>
                   <a:schemeClr val="tx1"/>
                 </a:solidFill>
-                <a:latin typeface="Merriweather" panose="02060503050406030704" pitchFamily="18" charset="0"/>
+                <a:latin typeface="Merriweather Sans" panose="02000503060000020004" pitchFamily="2" charset="0"/>
                 <a:ea typeface="Microsoft Sans Serif" panose="020B0604020202020204" pitchFamily="34" charset="0"/>
                 <a:cs typeface="Microsoft Sans Serif" panose="020B0604020202020204" pitchFamily="34" charset="0"/>
               </a:endParaRPr>
@@ -4113,7 +4117,7 @@
             <a:chExt cx="279937" cy="282944"/>
           </a:xfrm>
           <a:solidFill>
-            <a:srgbClr val="003359"/>
+            <a:srgbClr val="195B8B"/>
           </a:solidFill>
         </p:grpSpPr>
         <p:sp>
@@ -4222,7 +4226,7 @@
                 <a:solidFill>
                   <a:schemeClr val="tx1"/>
                 </a:solidFill>
-                <a:latin typeface="Merriweather" panose="02060503050406030704" pitchFamily="18" charset="0"/>
+                <a:latin typeface="Merriweather Sans" panose="02000503060000020004" pitchFamily="2" charset="0"/>
                 <a:ea typeface="Microsoft Sans Serif" panose="020B0604020202020204" pitchFamily="34" charset="0"/>
                 <a:cs typeface="Microsoft Sans Serif" panose="020B0604020202020204" pitchFamily="34" charset="0"/>
               </a:endParaRPr>
@@ -4297,7 +4301,7 @@
                 <a:solidFill>
                   <a:schemeClr val="tx1"/>
                 </a:solidFill>
-                <a:latin typeface="Merriweather" panose="02060503050406030704" pitchFamily="18" charset="0"/>
+                <a:latin typeface="Merriweather Sans" panose="02000503060000020004" pitchFamily="2" charset="0"/>
                 <a:ea typeface="Microsoft Sans Serif" panose="020B0604020202020204" pitchFamily="34" charset="0"/>
                 <a:cs typeface="Microsoft Sans Serif" panose="020B0604020202020204" pitchFamily="34" charset="0"/>
               </a:endParaRPr>
@@ -4313,15 +4317,15 @@
         </p:nvCxnSpPr>
         <p:spPr>
           <a:xfrm flipH="1">
-            <a:off x="3900773" y="1526871"/>
-            <a:ext cx="51482" cy="1050612"/>
+            <a:off x="4051108" y="1531242"/>
+            <a:ext cx="156833" cy="1083590"/>
           </a:xfrm>
           <a:prstGeom prst="straightConnector1">
             <a:avLst/>
           </a:prstGeom>
           <a:ln w="28575" cap="rnd">
             <a:solidFill>
-              <a:srgbClr val="D20015"/>
+              <a:srgbClr val="FF5252"/>
             </a:solidFill>
             <a:round/>
             <a:headEnd type="triangle" w="med" len="lg"/>
@@ -4351,15 +4355,15 @@
         </p:nvCxnSpPr>
         <p:spPr>
           <a:xfrm flipH="1">
-            <a:off x="4993941" y="2588800"/>
-            <a:ext cx="984752" cy="631674"/>
+            <a:off x="5028222" y="2729357"/>
+            <a:ext cx="968045" cy="570853"/>
           </a:xfrm>
           <a:prstGeom prst="straightConnector1">
             <a:avLst/>
           </a:prstGeom>
           <a:ln w="28575" cap="rnd">
             <a:solidFill>
-              <a:srgbClr val="D20015"/>
+              <a:srgbClr val="FF5252"/>
             </a:solidFill>
             <a:round/>
             <a:headEnd type="triangle" w="med" len="lg"/>
@@ -4389,15 +4393,15 @@
         </p:nvCxnSpPr>
         <p:spPr>
           <a:xfrm flipH="1">
-            <a:off x="4497486" y="1785836"/>
-            <a:ext cx="563957" cy="974262"/>
+            <a:off x="4576745" y="1885822"/>
+            <a:ext cx="722832" cy="923981"/>
           </a:xfrm>
           <a:prstGeom prst="straightConnector1">
             <a:avLst/>
           </a:prstGeom>
           <a:ln w="28575" cap="rnd">
             <a:solidFill>
-              <a:srgbClr val="D20015"/>
+              <a:srgbClr val="FF5252"/>
             </a:solidFill>
             <a:round/>
             <a:headEnd type="triangle" w="med" len="lg"/>
@@ -4427,15 +4431,15 @@
         </p:nvCxnSpPr>
         <p:spPr>
           <a:xfrm>
-            <a:off x="2275058" y="2092035"/>
-            <a:ext cx="770697" cy="812602"/>
+            <a:off x="1848075" y="2272967"/>
+            <a:ext cx="987854" cy="817065"/>
           </a:xfrm>
           <a:prstGeom prst="straightConnector1">
             <a:avLst/>
           </a:prstGeom>
           <a:ln w="28575" cap="rnd">
             <a:solidFill>
-              <a:srgbClr val="D20015"/>
+              <a:srgbClr val="FF5252"/>
             </a:solidFill>
             <a:round/>
             <a:headEnd type="triangle" w="med" len="lg"/>
@@ -4465,15 +4469,15 @@
         </p:nvCxnSpPr>
         <p:spPr>
           <a:xfrm>
-            <a:off x="1543633" y="3078702"/>
-            <a:ext cx="1060042" cy="426506"/>
+            <a:off x="1492812" y="3444210"/>
+            <a:ext cx="1068015" cy="234178"/>
           </a:xfrm>
           <a:prstGeom prst="straightConnector1">
             <a:avLst/>
           </a:prstGeom>
           <a:ln w="28575" cap="rnd">
             <a:solidFill>
-              <a:srgbClr val="D20015"/>
+              <a:srgbClr val="FF5252"/>
             </a:solidFill>
             <a:round/>
             <a:headEnd type="triangle" w="med" len="lg"/>
@@ -4503,15 +4507,15 @@
         </p:nvCxnSpPr>
         <p:spPr>
           <a:xfrm flipH="1">
-            <a:off x="5200434" y="3611628"/>
-            <a:ext cx="1204099" cy="161069"/>
+            <a:off x="5210354" y="3838856"/>
+            <a:ext cx="1073192" cy="7996"/>
           </a:xfrm>
           <a:prstGeom prst="straightConnector1">
             <a:avLst/>
           </a:prstGeom>
           <a:ln w="28575" cap="rnd">
             <a:solidFill>
-              <a:srgbClr val="D20015"/>
+              <a:srgbClr val="FF5252"/>
             </a:solidFill>
             <a:round/>
             <a:headEnd type="triangle" w="med" len="lg"/>
@@ -4549,7 +4553,7 @@
           </a:prstGeom>
           <a:ln w="28575">
             <a:solidFill>
-              <a:srgbClr val="D20015"/>
+              <a:srgbClr val="FF5252"/>
             </a:solidFill>
             <a:headEnd type="triangle" w="med" len="lg"/>
             <a:tailEnd type="none" w="med" len="lg"/>
@@ -4586,7 +4590,7 @@
           </a:prstGeom>
           <a:ln w="28575">
             <a:solidFill>
-              <a:srgbClr val="D20015"/>
+              <a:srgbClr val="FF5252"/>
             </a:solidFill>
             <a:headEnd type="triangle" w="med" len="lg"/>
             <a:tailEnd type="none" w="med" len="lg"/>
@@ -4623,7 +4627,7 @@
           </a:prstGeom>
           <a:ln w="28575">
             <a:solidFill>
-              <a:srgbClr val="D20015"/>
+              <a:srgbClr val="FF5252"/>
             </a:solidFill>
             <a:headEnd type="triangle" w="med" len="lg"/>
             <a:tailEnd type="none" w="med" len="lg"/>
@@ -4660,7 +4664,7 @@
           </a:prstGeom>
           <a:ln w="28575">
             <a:solidFill>
-              <a:srgbClr val="D20015"/>
+              <a:srgbClr val="FF5252"/>
             </a:solidFill>
             <a:headEnd type="triangle" w="med" len="lg"/>
             <a:tailEnd type="none" w="med" len="lg"/>
@@ -4697,7 +4701,7 @@
           </a:prstGeom>
           <a:ln w="28575">
             <a:solidFill>
-              <a:srgbClr val="D20015"/>
+              <a:srgbClr val="FF5252"/>
             </a:solidFill>
             <a:headEnd type="triangle" w="med" len="lg"/>
             <a:tailEnd type="none" w="med" len="lg"/>
@@ -4732,7 +4736,7 @@
             <a:chExt cx="2520000" cy="2520000"/>
           </a:xfrm>
           <a:solidFill>
-            <a:srgbClr val="D20015"/>
+            <a:srgbClr val="195B8B"/>
           </a:solidFill>
         </p:grpSpPr>
         <p:sp>
@@ -4752,7 +4756,7 @@
             <a:grpFill/>
             <a:ln w="28575">
               <a:solidFill>
-                <a:srgbClr val="D20015"/>
+                <a:schemeClr val="accent1"/>
               </a:solidFill>
             </a:ln>
           </p:spPr>
@@ -4778,7 +4782,7 @@
             <a:p>
               <a:pPr algn="ctr"/>
               <a:endParaRPr lang="en-US" dirty="0">
-                <a:latin typeface="Merriweather" panose="02060503050406030704" pitchFamily="18" charset="0"/>
+                <a:latin typeface="Merriweather Sans" panose="02000503060000020004" pitchFamily="2" charset="0"/>
                 <a:ea typeface="Microsoft Sans Serif" panose="020B0604020202020204" pitchFamily="34" charset="0"/>
                 <a:cs typeface="Microsoft Sans Serif" panose="020B0604020202020204" pitchFamily="34" charset="0"/>
               </a:endParaRPr>
@@ -4793,13 +4797,13 @@
           </p:nvSpPr>
           <p:spPr>
             <a:xfrm>
-              <a:off x="4043304" y="4420866"/>
-              <a:ext cx="2210862" cy="1569660"/>
+              <a:off x="4344588" y="4602056"/>
+              <a:ext cx="1606530" cy="584775"/>
             </a:xfrm>
             <a:prstGeom prst="rect">
               <a:avLst/>
             </a:prstGeom>
-            <a:noFill/>
+            <a:grpFill/>
           </p:spPr>
           <p:txBody>
             <a:bodyPr wrap="none">
@@ -4809,35 +4813,21 @@
             <a:p>
               <a:pPr algn="ctr"/>
               <a:r>
-                <a:rPr lang="en-US" sz="4800" spc="600" dirty="0" smtClean="0">
+                <a:rPr lang="en-US" sz="3200" spc="600" dirty="0" smtClean="0">
                   <a:solidFill>
                     <a:schemeClr val="bg1"/>
                   </a:solidFill>
-                  <a:latin typeface="Merriweather" panose="02060503050406030704" pitchFamily="18" charset="0"/>
+                  <a:latin typeface="Merriweather Sans" panose="02000503060000020004" pitchFamily="2" charset="0"/>
                   <a:ea typeface="Microsoft Sans Serif" panose="020B0604020202020204" pitchFamily="34" charset="0"/>
                   <a:cs typeface="Microsoft Sans Serif" panose="020B0604020202020204" pitchFamily="34" charset="0"/>
                 </a:rPr>
                 <a:t>Socio</a:t>
               </a:r>
-            </a:p>
-            <a:p>
-              <a:pPr algn="ctr"/>
-              <a:r>
-                <a:rPr lang="en-US" sz="4800" dirty="0" smtClean="0">
-                  <a:solidFill>
-                    <a:schemeClr val="bg1"/>
-                  </a:solidFill>
-                  <a:latin typeface="Merriweather" panose="02060503050406030704" pitchFamily="18" charset="0"/>
-                  <a:ea typeface="Microsoft Sans Serif" panose="020B0604020202020204" pitchFamily="34" charset="0"/>
-                  <a:cs typeface="Microsoft Sans Serif" panose="020B0604020202020204" pitchFamily="34" charset="0"/>
-                </a:rPr>
-                <a:t>Cortex</a:t>
-              </a:r>
-              <a:endParaRPr lang="en-US" sz="4800" dirty="0" smtClean="0">
+              <a:endParaRPr lang="en-US" sz="3200" dirty="0" smtClean="0">
                 <a:solidFill>
-                  <a:schemeClr val="bg1"/>
+                  <a:srgbClr val="FF5252"/>
                 </a:solidFill>
-                <a:latin typeface="Merriweather" panose="02060503050406030704" pitchFamily="18" charset="0"/>
+                <a:latin typeface="Merriweather Sans" panose="02000503060000020004" pitchFamily="2" charset="0"/>
                 <a:ea typeface="Microsoft Sans Serif" panose="020B0604020202020204" pitchFamily="34" charset="0"/>
                 <a:cs typeface="Microsoft Sans Serif" panose="020B0604020202020204" pitchFamily="34" charset="0"/>
               </a:endParaRPr>
@@ -4859,7 +4849,7 @@
             <a:chExt cx="279937" cy="282944"/>
           </a:xfrm>
           <a:solidFill>
-            <a:srgbClr val="003359"/>
+            <a:srgbClr val="195B8B"/>
           </a:solidFill>
         </p:grpSpPr>
         <p:sp>
@@ -4968,7 +4958,7 @@
                 <a:solidFill>
                   <a:schemeClr val="tx1"/>
                 </a:solidFill>
-                <a:latin typeface="Merriweather" panose="02060503050406030704" pitchFamily="18" charset="0"/>
+                <a:latin typeface="Merriweather Sans" panose="02000503060000020004" pitchFamily="2" charset="0"/>
                 <a:ea typeface="Microsoft Sans Serif" panose="020B0604020202020204" pitchFamily="34" charset="0"/>
                 <a:cs typeface="Microsoft Sans Serif" panose="020B0604020202020204" pitchFamily="34" charset="0"/>
               </a:endParaRPr>
@@ -5043,7 +5033,7 @@
                 <a:solidFill>
                   <a:schemeClr val="tx1"/>
                 </a:solidFill>
-                <a:latin typeface="Merriweather" panose="02060503050406030704" pitchFamily="18" charset="0"/>
+                <a:latin typeface="Merriweather Sans" panose="02000503060000020004" pitchFamily="2" charset="0"/>
                 <a:ea typeface="Microsoft Sans Serif" panose="020B0604020202020204" pitchFamily="34" charset="0"/>
                 <a:cs typeface="Microsoft Sans Serif" panose="020B0604020202020204" pitchFamily="34" charset="0"/>
               </a:endParaRPr>
@@ -5067,7 +5057,7 @@
           </a:prstGeom>
           <a:ln w="28575">
             <a:solidFill>
-              <a:srgbClr val="D20015"/>
+              <a:srgbClr val="FF5252"/>
             </a:solidFill>
             <a:headEnd type="triangle" w="med" len="lg"/>
             <a:tailEnd type="none" w="med" len="lg"/>
@@ -5095,9 +5085,9 @@
           <p:nvPr/>
         </p:nvSpPr>
         <p:spPr>
-          <a:xfrm rot="18459209">
-            <a:off x="1415636" y="2702169"/>
-            <a:ext cx="1755609" cy="338554"/>
+          <a:xfrm rot="18585722">
+            <a:off x="1449618" y="2670306"/>
+            <a:ext cx="2132315" cy="338554"/>
           </a:xfrm>
           <a:prstGeom prst="rect">
             <a:avLst/>
@@ -5125,9 +5115,29 @@
           </a:lstStyle>
           <a:p>
             <a:r>
-              <a:rPr lang="en-US" dirty="0"/>
-              <a:t>Generic Clients</a:t>
-            </a:r>
+              <a:rPr lang="en-US" dirty="0">
+                <a:solidFill>
+                  <a:srgbClr val="FF5252"/>
+                </a:solidFill>
+                <a:latin typeface="Merriweather Sans" panose="02000503060000020004" pitchFamily="2" charset="0"/>
+              </a:rPr>
+              <a:t>Generic </a:t>
+            </a:r>
+            <a:r>
+              <a:rPr lang="en-US" dirty="0" smtClean="0">
+                <a:solidFill>
+                  <a:srgbClr val="FF5252"/>
+                </a:solidFill>
+                <a:latin typeface="Merriweather Sans" panose="02000503060000020004" pitchFamily="2" charset="0"/>
+              </a:rPr>
+              <a:t>Client Suite</a:t>
+            </a:r>
+            <a:endParaRPr lang="en-US" dirty="0">
+              <a:solidFill>
+                <a:srgbClr val="FF5252"/>
+              </a:solidFill>
+              <a:latin typeface="Merriweather Sans" panose="02000503060000020004" pitchFamily="2" charset="0"/>
+            </a:endParaRPr>
           </a:p>
         </p:txBody>
       </p:sp>
@@ -5139,7 +5149,7 @@
         </p:nvSpPr>
         <p:spPr>
           <a:xfrm rot="2580826">
-            <a:off x="4123692" y="2499657"/>
+            <a:off x="4115118" y="2571247"/>
             <a:ext cx="1999964" cy="338554"/>
           </a:xfrm>
           <a:prstGeom prst="rect">
@@ -5168,7 +5178,12 @@
           </a:lstStyle>
           <a:p>
             <a:r>
-              <a:rPr lang="en-US" dirty="0"/>
+              <a:rPr lang="en-US" dirty="0">
+                <a:solidFill>
+                  <a:srgbClr val="FF5252"/>
+                </a:solidFill>
+                <a:latin typeface="Merriweather Sans" panose="02000503060000020004" pitchFamily="2" charset="0"/>
+              </a:rPr>
               <a:t>Vertical Solutions</a:t>
             </a:r>
           </a:p>
@@ -5211,10 +5226,20 @@
           </a:lstStyle>
           <a:p>
             <a:r>
-              <a:rPr lang="en-US" sz="1600" dirty="0" smtClean="0"/>
+              <a:rPr lang="en-US" sz="1600" dirty="0" smtClean="0">
+                <a:solidFill>
+                  <a:srgbClr val="FF5252"/>
+                </a:solidFill>
+                <a:latin typeface="Merriweather Sans" panose="02000503060000020004" pitchFamily="2" charset="0"/>
+              </a:rPr>
               <a:t>Content Sources</a:t>
             </a:r>
-            <a:endParaRPr lang="en-US" sz="1600" dirty="0"/>
+            <a:endParaRPr lang="en-US" sz="1600" dirty="0">
+              <a:solidFill>
+                <a:srgbClr val="FF5252"/>
+              </a:solidFill>
+              <a:latin typeface="Merriweather Sans" panose="02000503060000020004" pitchFamily="2" charset="0"/>
+            </a:endParaRPr>
           </a:p>
         </p:txBody>
       </p:sp>
@@ -5226,8 +5251,8 @@
         </p:nvSpPr>
         <p:spPr>
           <a:xfrm rot="18900000">
-            <a:off x="4163153" y="5213918"/>
-            <a:ext cx="2028120" cy="338554"/>
+            <a:off x="4207236" y="5213918"/>
+            <a:ext cx="1939954" cy="338554"/>
           </a:xfrm>
           <a:prstGeom prst="rect">
             <a:avLst/>
@@ -5255,9 +5280,1180 @@
           </a:lstStyle>
           <a:p>
             <a:r>
-              <a:rPr lang="en-US" dirty="0"/>
+              <a:rPr lang="en-US" dirty="0">
+                <a:solidFill>
+                  <a:srgbClr val="FF5252"/>
+                </a:solidFill>
+                <a:latin typeface="Merriweather Sans" panose="02000503060000020004" pitchFamily="2" charset="0"/>
+              </a:rPr>
               <a:t>Identity Providers</a:t>
             </a:r>
+          </a:p>
+        </p:txBody>
+      </p:sp>
+      <p:sp>
+        <p:nvSpPr>
+          <p:cNvPr id="2" name="Halbbogen 1"/>
+          <p:cNvSpPr/>
+          <p:nvPr/>
+        </p:nvSpPr>
+        <p:spPr>
+          <a:xfrm>
+            <a:off x="2597852" y="2694220"/>
+            <a:ext cx="2542860" cy="2527636"/>
+          </a:xfrm>
+          <a:prstGeom prst="blockArc">
+            <a:avLst>
+              <a:gd name="adj1" fmla="val 10800000"/>
+              <a:gd name="adj2" fmla="val 56422"/>
+              <a:gd name="adj3" fmla="val 10356"/>
+            </a:avLst>
+          </a:prstGeom>
+          <a:solidFill>
+            <a:schemeClr val="bg1"/>
+          </a:solidFill>
+          <a:ln>
+            <a:solidFill>
+              <a:srgbClr val="195B8B"/>
+            </a:solidFill>
+          </a:ln>
+        </p:spPr>
+        <p:style>
+          <a:lnRef idx="2">
+            <a:schemeClr val="accent1">
+              <a:shade val="50000"/>
+            </a:schemeClr>
+          </a:lnRef>
+          <a:fillRef idx="1">
+            <a:schemeClr val="accent1"/>
+          </a:fillRef>
+          <a:effectRef idx="0">
+            <a:schemeClr val="accent1"/>
+          </a:effectRef>
+          <a:fontRef idx="minor">
+            <a:schemeClr val="lt1"/>
+          </a:fontRef>
+        </p:style>
+        <p:txBody>
+          <a:bodyPr rtlCol="0" anchor="ctr"/>
+          <a:lstStyle/>
+          <a:p>
+            <a:pPr algn="ctr"/>
+            <a:endParaRPr lang="en-US" dirty="0">
+              <a:solidFill>
+                <a:schemeClr val="tx1"/>
+              </a:solidFill>
+              <a:latin typeface="Merriweather Sans" panose="02000503060000020004" pitchFamily="2" charset="0"/>
+            </a:endParaRPr>
+          </a:p>
+        </p:txBody>
+      </p:sp>
+      <p:sp>
+        <p:nvSpPr>
+          <p:cNvPr id="54" name="Halbbogen 53"/>
+          <p:cNvSpPr/>
+          <p:nvPr/>
+        </p:nvSpPr>
+        <p:spPr>
+          <a:xfrm rot="10800000">
+            <a:off x="2595437" y="2682458"/>
+            <a:ext cx="2542860" cy="2527636"/>
+          </a:xfrm>
+          <a:prstGeom prst="blockArc">
+            <a:avLst>
+              <a:gd name="adj1" fmla="val 10800000"/>
+              <a:gd name="adj2" fmla="val 56422"/>
+              <a:gd name="adj3" fmla="val 10356"/>
+            </a:avLst>
+          </a:prstGeom>
+          <a:solidFill>
+            <a:schemeClr val="bg1"/>
+          </a:solidFill>
+          <a:ln>
+            <a:solidFill>
+              <a:srgbClr val="195B8B"/>
+            </a:solidFill>
+          </a:ln>
+        </p:spPr>
+        <p:style>
+          <a:lnRef idx="2">
+            <a:schemeClr val="accent1">
+              <a:shade val="50000"/>
+            </a:schemeClr>
+          </a:lnRef>
+          <a:fillRef idx="1">
+            <a:schemeClr val="accent1"/>
+          </a:fillRef>
+          <a:effectRef idx="0">
+            <a:schemeClr val="accent1"/>
+          </a:effectRef>
+          <a:fontRef idx="minor">
+            <a:schemeClr val="lt1"/>
+          </a:fontRef>
+        </p:style>
+        <p:txBody>
+          <a:bodyPr rtlCol="0" anchor="ctr"/>
+          <a:lstStyle/>
+          <a:p>
+            <a:pPr algn="ctr"/>
+            <a:endParaRPr lang="en-US" dirty="0">
+              <a:solidFill>
+                <a:schemeClr val="tx1"/>
+              </a:solidFill>
+              <a:latin typeface="Merriweather Sans" panose="02000503060000020004" pitchFamily="2" charset="0"/>
+            </a:endParaRPr>
+          </a:p>
+        </p:txBody>
+      </p:sp>
+      <p:sp>
+        <p:nvSpPr>
+          <p:cNvPr id="4" name="Textfeld 3"/>
+          <p:cNvSpPr txBox="1"/>
+          <p:nvPr/>
+        </p:nvSpPr>
+        <p:spPr>
+          <a:xfrm rot="635160">
+            <a:off x="3893127" y="2704482"/>
+            <a:ext cx="333746" cy="338554"/>
+          </a:xfrm>
+          <a:prstGeom prst="rect">
+            <a:avLst/>
+          </a:prstGeom>
+          <a:noFill/>
+        </p:spPr>
+        <p:txBody>
+          <a:bodyPr wrap="none" rtlCol="0">
+            <a:spAutoFit/>
+          </a:bodyPr>
+          <a:lstStyle>
+            <a:defPPr>
+              <a:defRPr lang="de-DE"/>
+            </a:defPPr>
+            <a:lvl1pPr algn="ctr">
+              <a:defRPr sz="1600">
+                <a:solidFill>
+                  <a:srgbClr val="D20015"/>
+                </a:solidFill>
+                <a:latin typeface="Merriweather" panose="02060503050406030704" pitchFamily="18" charset="0"/>
+              </a:defRPr>
+            </a:lvl1pPr>
+          </a:lstStyle>
+          <a:p>
+            <a:r>
+              <a:rPr lang="de-DE" dirty="0" smtClean="0">
+                <a:solidFill>
+                  <a:srgbClr val="195B8B"/>
+                </a:solidFill>
+                <a:latin typeface="Merriweather Sans" panose="02000503060000020004" pitchFamily="2" charset="0"/>
+              </a:rPr>
+              <a:t>A</a:t>
+            </a:r>
+            <a:endParaRPr lang="en-US" dirty="0">
+              <a:solidFill>
+                <a:srgbClr val="195B8B"/>
+              </a:solidFill>
+              <a:latin typeface="Merriweather Sans" panose="02000503060000020004" pitchFamily="2" charset="0"/>
+            </a:endParaRPr>
+          </a:p>
+        </p:txBody>
+      </p:sp>
+      <p:sp>
+        <p:nvSpPr>
+          <p:cNvPr id="5" name="Rechteck 4"/>
+          <p:cNvSpPr/>
+          <p:nvPr/>
+        </p:nvSpPr>
+        <p:spPr>
+          <a:xfrm rot="19485430">
+            <a:off x="3068269" y="2880211"/>
+            <a:ext cx="327334" cy="338554"/>
+          </a:xfrm>
+          <a:prstGeom prst="rect">
+            <a:avLst/>
+          </a:prstGeom>
+          <a:noFill/>
+        </p:spPr>
+        <p:txBody>
+          <a:bodyPr wrap="none" rtlCol="0">
+            <a:spAutoFit/>
+          </a:bodyPr>
+          <a:lstStyle/>
+          <a:p>
+            <a:pPr algn="ctr"/>
+            <a:r>
+              <a:rPr lang="de-DE" sz="1600" dirty="0" smtClean="0">
+                <a:solidFill>
+                  <a:srgbClr val="195B8B"/>
+                </a:solidFill>
+                <a:latin typeface="Merriweather Sans" panose="02000503060000020004" pitchFamily="2" charset="0"/>
+              </a:rPr>
+              <a:t>R</a:t>
+            </a:r>
+            <a:endParaRPr lang="en-US" sz="1600" dirty="0">
+              <a:solidFill>
+                <a:srgbClr val="195B8B"/>
+              </a:solidFill>
+              <a:latin typeface="Merriweather Sans" panose="02000503060000020004" pitchFamily="2" charset="0"/>
+            </a:endParaRPr>
+          </a:p>
+        </p:txBody>
+      </p:sp>
+      <p:sp>
+        <p:nvSpPr>
+          <p:cNvPr id="57" name="Rechteck 56"/>
+          <p:cNvSpPr/>
+          <p:nvPr/>
+        </p:nvSpPr>
+        <p:spPr>
+          <a:xfrm rot="20172751">
+            <a:off x="3246787" y="2780891"/>
+            <a:ext cx="316112" cy="338554"/>
+          </a:xfrm>
+          <a:prstGeom prst="rect">
+            <a:avLst/>
+          </a:prstGeom>
+          <a:noFill/>
+        </p:spPr>
+        <p:txBody>
+          <a:bodyPr wrap="none" rtlCol="0">
+            <a:spAutoFit/>
+          </a:bodyPr>
+          <a:lstStyle/>
+          <a:p>
+            <a:pPr algn="ctr"/>
+            <a:r>
+              <a:rPr lang="de-DE" sz="1600" dirty="0" smtClean="0">
+                <a:solidFill>
+                  <a:srgbClr val="195B8B"/>
+                </a:solidFill>
+                <a:latin typeface="Merriweather Sans" panose="02000503060000020004" pitchFamily="2" charset="0"/>
+              </a:rPr>
+              <a:t>E</a:t>
+            </a:r>
+            <a:endParaRPr lang="en-US" sz="1600" dirty="0">
+              <a:solidFill>
+                <a:srgbClr val="195B8B"/>
+              </a:solidFill>
+              <a:latin typeface="Merriweather Sans" panose="02000503060000020004" pitchFamily="2" charset="0"/>
+            </a:endParaRPr>
+          </a:p>
+        </p:txBody>
+      </p:sp>
+      <p:sp>
+        <p:nvSpPr>
+          <p:cNvPr id="58" name="Rechteck 57"/>
+          <p:cNvSpPr/>
+          <p:nvPr/>
+        </p:nvSpPr>
+        <p:spPr>
+          <a:xfrm rot="20601066">
+            <a:off x="3424910" y="2720351"/>
+            <a:ext cx="308098" cy="338554"/>
+          </a:xfrm>
+          <a:prstGeom prst="rect">
+            <a:avLst/>
+          </a:prstGeom>
+          <a:noFill/>
+        </p:spPr>
+        <p:txBody>
+          <a:bodyPr wrap="none" rtlCol="0">
+            <a:spAutoFit/>
+          </a:bodyPr>
+          <a:lstStyle/>
+          <a:p>
+            <a:pPr algn="ctr"/>
+            <a:r>
+              <a:rPr lang="de-DE" sz="1600" dirty="0" smtClean="0">
+                <a:solidFill>
+                  <a:srgbClr val="195B8B"/>
+                </a:solidFill>
+                <a:latin typeface="Merriweather Sans" panose="02000503060000020004" pitchFamily="2" charset="0"/>
+              </a:rPr>
+              <a:t>S</a:t>
+            </a:r>
+            <a:endParaRPr lang="en-US" sz="1600" dirty="0">
+              <a:solidFill>
+                <a:srgbClr val="195B8B"/>
+              </a:solidFill>
+              <a:latin typeface="Merriweather Sans" panose="02000503060000020004" pitchFamily="2" charset="0"/>
+            </a:endParaRPr>
+          </a:p>
+        </p:txBody>
+      </p:sp>
+      <p:sp>
+        <p:nvSpPr>
+          <p:cNvPr id="59" name="Rechteck 58"/>
+          <p:cNvSpPr/>
+          <p:nvPr/>
+        </p:nvSpPr>
+        <p:spPr>
+          <a:xfrm rot="21249079">
+            <a:off x="3590070" y="2684817"/>
+            <a:ext cx="314510" cy="338554"/>
+          </a:xfrm>
+          <a:prstGeom prst="rect">
+            <a:avLst/>
+          </a:prstGeom>
+          <a:noFill/>
+        </p:spPr>
+        <p:txBody>
+          <a:bodyPr wrap="none" rtlCol="0">
+            <a:spAutoFit/>
+          </a:bodyPr>
+          <a:lstStyle/>
+          <a:p>
+            <a:pPr algn="ctr"/>
+            <a:r>
+              <a:rPr lang="de-DE" sz="1600" dirty="0" smtClean="0">
+                <a:solidFill>
+                  <a:srgbClr val="195B8B"/>
+                </a:solidFill>
+                <a:latin typeface="Merriweather Sans" panose="02000503060000020004" pitchFamily="2" charset="0"/>
+              </a:rPr>
+              <a:t>T</a:t>
+            </a:r>
+            <a:endParaRPr lang="en-US" sz="1600" dirty="0">
+              <a:solidFill>
+                <a:srgbClr val="195B8B"/>
+              </a:solidFill>
+              <a:latin typeface="Merriweather Sans" panose="02000503060000020004" pitchFamily="2" charset="0"/>
+            </a:endParaRPr>
+          </a:p>
+        </p:txBody>
+      </p:sp>
+      <p:sp>
+        <p:nvSpPr>
+          <p:cNvPr id="60" name="Textfeld 59"/>
+          <p:cNvSpPr txBox="1"/>
+          <p:nvPr/>
+        </p:nvSpPr>
+        <p:spPr>
+          <a:xfrm rot="1151708">
+            <a:off x="4098592" y="2759402"/>
+            <a:ext cx="314510" cy="338554"/>
+          </a:xfrm>
+          <a:prstGeom prst="rect">
+            <a:avLst/>
+          </a:prstGeom>
+          <a:noFill/>
+        </p:spPr>
+        <p:txBody>
+          <a:bodyPr wrap="none" rtlCol="0">
+            <a:spAutoFit/>
+          </a:bodyPr>
+          <a:lstStyle>
+            <a:defPPr>
+              <a:defRPr lang="de-DE"/>
+            </a:defPPr>
+            <a:lvl1pPr algn="ctr">
+              <a:defRPr sz="1600">
+                <a:solidFill>
+                  <a:srgbClr val="D20015"/>
+                </a:solidFill>
+                <a:latin typeface="Merriweather" panose="02060503050406030704" pitchFamily="18" charset="0"/>
+              </a:defRPr>
+            </a:lvl1pPr>
+          </a:lstStyle>
+          <a:p>
+            <a:r>
+              <a:rPr lang="de-DE" dirty="0" smtClean="0">
+                <a:solidFill>
+                  <a:srgbClr val="195B8B"/>
+                </a:solidFill>
+                <a:latin typeface="Merriweather Sans" panose="02000503060000020004" pitchFamily="2" charset="0"/>
+              </a:rPr>
+              <a:t>P</a:t>
+            </a:r>
+            <a:endParaRPr lang="en-US" dirty="0">
+              <a:solidFill>
+                <a:srgbClr val="195B8B"/>
+              </a:solidFill>
+              <a:latin typeface="Merriweather Sans" panose="02000503060000020004" pitchFamily="2" charset="0"/>
+            </a:endParaRPr>
+          </a:p>
+        </p:txBody>
+      </p:sp>
+      <p:sp>
+        <p:nvSpPr>
+          <p:cNvPr id="61" name="Textfeld 60"/>
+          <p:cNvSpPr txBox="1"/>
+          <p:nvPr/>
+        </p:nvSpPr>
+        <p:spPr>
+          <a:xfrm rot="1693597">
+            <a:off x="4296523" y="2846871"/>
+            <a:ext cx="248786" cy="338554"/>
+          </a:xfrm>
+          <a:prstGeom prst="rect">
+            <a:avLst/>
+          </a:prstGeom>
+          <a:noFill/>
+        </p:spPr>
+        <p:txBody>
+          <a:bodyPr wrap="none" rtlCol="0">
+            <a:spAutoFit/>
+          </a:bodyPr>
+          <a:lstStyle>
+            <a:defPPr>
+              <a:defRPr lang="de-DE"/>
+            </a:defPPr>
+            <a:lvl1pPr algn="ctr">
+              <a:defRPr sz="1600">
+                <a:solidFill>
+                  <a:srgbClr val="D20015"/>
+                </a:solidFill>
+                <a:latin typeface="Merriweather" panose="02060503050406030704" pitchFamily="18" charset="0"/>
+              </a:defRPr>
+            </a:lvl1pPr>
+          </a:lstStyle>
+          <a:p>
+            <a:r>
+              <a:rPr lang="de-DE" dirty="0" smtClean="0">
+                <a:solidFill>
+                  <a:srgbClr val="195B8B"/>
+                </a:solidFill>
+                <a:latin typeface="Merriweather Sans" panose="02000503060000020004" pitchFamily="2" charset="0"/>
+              </a:rPr>
+              <a:t>I</a:t>
+            </a:r>
+            <a:endParaRPr lang="en-US" dirty="0">
+              <a:solidFill>
+                <a:srgbClr val="195B8B"/>
+              </a:solidFill>
+              <a:latin typeface="Merriweather Sans" panose="02000503060000020004" pitchFamily="2" charset="0"/>
+            </a:endParaRPr>
+          </a:p>
+        </p:txBody>
+      </p:sp>
+      <p:sp>
+        <p:nvSpPr>
+          <p:cNvPr id="62" name="Rechteck 61"/>
+          <p:cNvSpPr/>
+          <p:nvPr/>
+        </p:nvSpPr>
+        <p:spPr>
+          <a:xfrm rot="3839468">
+            <a:off x="2682381" y="4321173"/>
+            <a:ext cx="344966" cy="338554"/>
+          </a:xfrm>
+          <a:prstGeom prst="rect">
+            <a:avLst/>
+          </a:prstGeom>
+          <a:noFill/>
+        </p:spPr>
+        <p:txBody>
+          <a:bodyPr wrap="none" rtlCol="0">
+            <a:spAutoFit/>
+          </a:bodyPr>
+          <a:lstStyle/>
+          <a:p>
+            <a:pPr algn="ctr"/>
+            <a:r>
+              <a:rPr lang="de-DE" sz="1600" dirty="0" smtClean="0">
+                <a:solidFill>
+                  <a:srgbClr val="195B8B"/>
+                </a:solidFill>
+                <a:latin typeface="Merriweather Sans" panose="02000503060000020004" pitchFamily="2" charset="0"/>
+              </a:rPr>
+              <a:t>D</a:t>
+            </a:r>
+            <a:endParaRPr lang="en-US" sz="1600" dirty="0">
+              <a:solidFill>
+                <a:srgbClr val="195B8B"/>
+              </a:solidFill>
+              <a:latin typeface="Merriweather Sans" panose="02000503060000020004" pitchFamily="2" charset="0"/>
+            </a:endParaRPr>
+          </a:p>
+        </p:txBody>
+      </p:sp>
+      <p:sp>
+        <p:nvSpPr>
+          <p:cNvPr id="63" name="Rechteck 62"/>
+          <p:cNvSpPr/>
+          <p:nvPr/>
+        </p:nvSpPr>
+        <p:spPr>
+          <a:xfrm rot="3130340">
+            <a:off x="2797757" y="4467402"/>
+            <a:ext cx="325730" cy="338554"/>
+          </a:xfrm>
+          <a:prstGeom prst="rect">
+            <a:avLst/>
+          </a:prstGeom>
+          <a:noFill/>
+        </p:spPr>
+        <p:txBody>
+          <a:bodyPr wrap="none" rtlCol="0">
+            <a:spAutoFit/>
+          </a:bodyPr>
+          <a:lstStyle/>
+          <a:p>
+            <a:pPr algn="ctr"/>
+            <a:r>
+              <a:rPr lang="de-DE" sz="1600" dirty="0" smtClean="0">
+                <a:solidFill>
+                  <a:srgbClr val="195B8B"/>
+                </a:solidFill>
+                <a:latin typeface="Merriweather Sans" panose="02000503060000020004" pitchFamily="2" charset="0"/>
+              </a:rPr>
+              <a:t>A</a:t>
+            </a:r>
+            <a:endParaRPr lang="en-US" sz="1600" dirty="0">
+              <a:solidFill>
+                <a:srgbClr val="195B8B"/>
+              </a:solidFill>
+              <a:latin typeface="Merriweather Sans" panose="02000503060000020004" pitchFamily="2" charset="0"/>
+            </a:endParaRPr>
+          </a:p>
+        </p:txBody>
+      </p:sp>
+      <p:sp>
+        <p:nvSpPr>
+          <p:cNvPr id="64" name="Rechteck 63"/>
+          <p:cNvSpPr/>
+          <p:nvPr/>
+        </p:nvSpPr>
+        <p:spPr>
+          <a:xfrm rot="2716029">
+            <a:off x="2905455" y="4588195"/>
+            <a:ext cx="314510" cy="338554"/>
+          </a:xfrm>
+          <a:prstGeom prst="rect">
+            <a:avLst/>
+          </a:prstGeom>
+          <a:noFill/>
+        </p:spPr>
+        <p:txBody>
+          <a:bodyPr wrap="none" rtlCol="0">
+            <a:spAutoFit/>
+          </a:bodyPr>
+          <a:lstStyle/>
+          <a:p>
+            <a:pPr algn="ctr"/>
+            <a:r>
+              <a:rPr lang="de-DE" sz="1600" dirty="0" smtClean="0">
+                <a:solidFill>
+                  <a:srgbClr val="195B8B"/>
+                </a:solidFill>
+                <a:latin typeface="Merriweather Sans" panose="02000503060000020004" pitchFamily="2" charset="0"/>
+              </a:rPr>
+              <a:t>T</a:t>
+            </a:r>
+            <a:endParaRPr lang="en-US" sz="1600" dirty="0">
+              <a:solidFill>
+                <a:srgbClr val="195B8B"/>
+              </a:solidFill>
+              <a:latin typeface="Merriweather Sans" panose="02000503060000020004" pitchFamily="2" charset="0"/>
+            </a:endParaRPr>
+          </a:p>
+        </p:txBody>
+      </p:sp>
+      <p:sp>
+        <p:nvSpPr>
+          <p:cNvPr id="65" name="Rechteck 64"/>
+          <p:cNvSpPr/>
+          <p:nvPr/>
+        </p:nvSpPr>
+        <p:spPr>
+          <a:xfrm rot="2106079">
+            <a:off x="3036491" y="4701079"/>
+            <a:ext cx="325730" cy="338554"/>
+          </a:xfrm>
+          <a:prstGeom prst="rect">
+            <a:avLst/>
+          </a:prstGeom>
+          <a:noFill/>
+        </p:spPr>
+        <p:txBody>
+          <a:bodyPr wrap="none" rtlCol="0">
+            <a:spAutoFit/>
+          </a:bodyPr>
+          <a:lstStyle/>
+          <a:p>
+            <a:pPr algn="ctr"/>
+            <a:r>
+              <a:rPr lang="de-DE" sz="1600" dirty="0" smtClean="0">
+                <a:solidFill>
+                  <a:srgbClr val="195B8B"/>
+                </a:solidFill>
+                <a:latin typeface="Merriweather Sans" panose="02000503060000020004" pitchFamily="2" charset="0"/>
+              </a:rPr>
+              <a:t>A</a:t>
+            </a:r>
+            <a:endParaRPr lang="en-US" sz="1600" dirty="0">
+              <a:solidFill>
+                <a:srgbClr val="195B8B"/>
+              </a:solidFill>
+              <a:latin typeface="Merriweather Sans" panose="02000503060000020004" pitchFamily="2" charset="0"/>
+            </a:endParaRPr>
+          </a:p>
+        </p:txBody>
+      </p:sp>
+      <p:sp>
+        <p:nvSpPr>
+          <p:cNvPr id="66" name="Rechteck 65"/>
+          <p:cNvSpPr/>
+          <p:nvPr/>
+        </p:nvSpPr>
+        <p:spPr>
+          <a:xfrm rot="1551904">
+            <a:off x="3216323" y="4820804"/>
+            <a:ext cx="325730" cy="338554"/>
+          </a:xfrm>
+          <a:prstGeom prst="rect">
+            <a:avLst/>
+          </a:prstGeom>
+          <a:noFill/>
+        </p:spPr>
+        <p:txBody>
+          <a:bodyPr wrap="none" rtlCol="0">
+            <a:spAutoFit/>
+          </a:bodyPr>
+          <a:lstStyle/>
+          <a:p>
+            <a:pPr algn="ctr"/>
+            <a:r>
+              <a:rPr lang="de-DE" sz="1600" dirty="0" smtClean="0">
+                <a:solidFill>
+                  <a:srgbClr val="195B8B"/>
+                </a:solidFill>
+                <a:latin typeface="Merriweather Sans" panose="02000503060000020004" pitchFamily="2" charset="0"/>
+              </a:rPr>
+              <a:t>C</a:t>
+            </a:r>
+            <a:endParaRPr lang="en-US" sz="1600" dirty="0">
+              <a:solidFill>
+                <a:srgbClr val="195B8B"/>
+              </a:solidFill>
+              <a:latin typeface="Merriweather Sans" panose="02000503060000020004" pitchFamily="2" charset="0"/>
+            </a:endParaRPr>
+          </a:p>
+        </p:txBody>
+      </p:sp>
+      <p:sp>
+        <p:nvSpPr>
+          <p:cNvPr id="67" name="Rechteck 66"/>
+          <p:cNvSpPr/>
+          <p:nvPr/>
+        </p:nvSpPr>
+        <p:spPr>
+          <a:xfrm rot="943437">
+            <a:off x="3385294" y="4886614"/>
+            <a:ext cx="344966" cy="338554"/>
+          </a:xfrm>
+          <a:prstGeom prst="rect">
+            <a:avLst/>
+          </a:prstGeom>
+          <a:noFill/>
+        </p:spPr>
+        <p:txBody>
+          <a:bodyPr wrap="none" rtlCol="0">
+            <a:spAutoFit/>
+          </a:bodyPr>
+          <a:lstStyle/>
+          <a:p>
+            <a:pPr algn="ctr"/>
+            <a:r>
+              <a:rPr lang="de-DE" sz="1600" dirty="0" smtClean="0">
+                <a:solidFill>
+                  <a:srgbClr val="195B8B"/>
+                </a:solidFill>
+                <a:latin typeface="Merriweather Sans" panose="02000503060000020004" pitchFamily="2" charset="0"/>
+              </a:rPr>
+              <a:t>O</a:t>
+            </a:r>
+            <a:endParaRPr lang="en-US" sz="1600" dirty="0">
+              <a:solidFill>
+                <a:srgbClr val="195B8B"/>
+              </a:solidFill>
+              <a:latin typeface="Merriweather Sans" panose="02000503060000020004" pitchFamily="2" charset="0"/>
+            </a:endParaRPr>
+          </a:p>
+        </p:txBody>
+      </p:sp>
+      <p:sp>
+        <p:nvSpPr>
+          <p:cNvPr id="68" name="Rechteck 67"/>
+          <p:cNvSpPr/>
+          <p:nvPr/>
+        </p:nvSpPr>
+        <p:spPr>
+          <a:xfrm rot="358565">
+            <a:off x="3572939" y="4926804"/>
+            <a:ext cx="351379" cy="338554"/>
+          </a:xfrm>
+          <a:prstGeom prst="rect">
+            <a:avLst/>
+          </a:prstGeom>
+          <a:noFill/>
+        </p:spPr>
+        <p:txBody>
+          <a:bodyPr wrap="none" rtlCol="0">
+            <a:spAutoFit/>
+          </a:bodyPr>
+          <a:lstStyle/>
+          <a:p>
+            <a:pPr algn="ctr"/>
+            <a:r>
+              <a:rPr lang="de-DE" sz="1600" dirty="0" smtClean="0">
+                <a:solidFill>
+                  <a:srgbClr val="195B8B"/>
+                </a:solidFill>
+                <a:latin typeface="Merriweather Sans" panose="02000503060000020004" pitchFamily="2" charset="0"/>
+              </a:rPr>
+              <a:t>N</a:t>
+            </a:r>
+            <a:endParaRPr lang="en-US" sz="1600" dirty="0">
+              <a:solidFill>
+                <a:srgbClr val="195B8B"/>
+              </a:solidFill>
+              <a:latin typeface="Merriweather Sans" panose="02000503060000020004" pitchFamily="2" charset="0"/>
+            </a:endParaRPr>
+          </a:p>
+        </p:txBody>
+      </p:sp>
+      <p:sp>
+        <p:nvSpPr>
+          <p:cNvPr id="69" name="Rechteck 68"/>
+          <p:cNvSpPr/>
+          <p:nvPr/>
+        </p:nvSpPr>
+        <p:spPr>
+          <a:xfrm rot="21245674">
+            <a:off x="3786735" y="4920965"/>
+            <a:ext cx="351379" cy="338554"/>
+          </a:xfrm>
+          <a:prstGeom prst="rect">
+            <a:avLst/>
+          </a:prstGeom>
+          <a:noFill/>
+        </p:spPr>
+        <p:txBody>
+          <a:bodyPr wrap="none" rtlCol="0">
+            <a:spAutoFit/>
+          </a:bodyPr>
+          <a:lstStyle/>
+          <a:p>
+            <a:pPr algn="ctr"/>
+            <a:r>
+              <a:rPr lang="de-DE" sz="1600" dirty="0" smtClean="0">
+                <a:solidFill>
+                  <a:srgbClr val="195B8B"/>
+                </a:solidFill>
+                <a:latin typeface="Merriweather Sans" panose="02000503060000020004" pitchFamily="2" charset="0"/>
+              </a:rPr>
+              <a:t>N</a:t>
+            </a:r>
+            <a:endParaRPr lang="en-US" sz="1600" dirty="0">
+              <a:solidFill>
+                <a:srgbClr val="195B8B"/>
+              </a:solidFill>
+              <a:latin typeface="Merriweather Sans" panose="02000503060000020004" pitchFamily="2" charset="0"/>
+            </a:endParaRPr>
+          </a:p>
+        </p:txBody>
+      </p:sp>
+      <p:sp>
+        <p:nvSpPr>
+          <p:cNvPr id="70" name="Rechteck 69"/>
+          <p:cNvSpPr/>
+          <p:nvPr/>
+        </p:nvSpPr>
+        <p:spPr>
+          <a:xfrm rot="20776407">
+            <a:off x="3995256" y="4893433"/>
+            <a:ext cx="316112" cy="338554"/>
+          </a:xfrm>
+          <a:prstGeom prst="rect">
+            <a:avLst/>
+          </a:prstGeom>
+          <a:noFill/>
+        </p:spPr>
+        <p:txBody>
+          <a:bodyPr wrap="none" rtlCol="0">
+            <a:spAutoFit/>
+          </a:bodyPr>
+          <a:lstStyle/>
+          <a:p>
+            <a:pPr algn="ctr"/>
+            <a:r>
+              <a:rPr lang="de-DE" sz="1600" dirty="0" smtClean="0">
+                <a:solidFill>
+                  <a:srgbClr val="195B8B"/>
+                </a:solidFill>
+                <a:latin typeface="Merriweather Sans" panose="02000503060000020004" pitchFamily="2" charset="0"/>
+              </a:rPr>
+              <a:t>E</a:t>
+            </a:r>
+            <a:endParaRPr lang="en-US" sz="1600" dirty="0">
+              <a:solidFill>
+                <a:srgbClr val="195B8B"/>
+              </a:solidFill>
+              <a:latin typeface="Merriweather Sans" panose="02000503060000020004" pitchFamily="2" charset="0"/>
+            </a:endParaRPr>
+          </a:p>
+        </p:txBody>
+      </p:sp>
+      <p:sp>
+        <p:nvSpPr>
+          <p:cNvPr id="71" name="Rechteck 70"/>
+          <p:cNvSpPr/>
+          <p:nvPr/>
+        </p:nvSpPr>
+        <p:spPr>
+          <a:xfrm rot="20284802">
+            <a:off x="4157632" y="4837897"/>
+            <a:ext cx="325730" cy="338554"/>
+          </a:xfrm>
+          <a:prstGeom prst="rect">
+            <a:avLst/>
+          </a:prstGeom>
+          <a:noFill/>
+        </p:spPr>
+        <p:txBody>
+          <a:bodyPr wrap="none" rtlCol="0">
+            <a:spAutoFit/>
+          </a:bodyPr>
+          <a:lstStyle/>
+          <a:p>
+            <a:pPr algn="ctr"/>
+            <a:r>
+              <a:rPr lang="de-DE" sz="1600" dirty="0" smtClean="0">
+                <a:solidFill>
+                  <a:srgbClr val="195B8B"/>
+                </a:solidFill>
+                <a:latin typeface="Merriweather Sans" panose="02000503060000020004" pitchFamily="2" charset="0"/>
+              </a:rPr>
+              <a:t>C</a:t>
+            </a:r>
+            <a:endParaRPr lang="en-US" sz="1600" dirty="0">
+              <a:solidFill>
+                <a:srgbClr val="195B8B"/>
+              </a:solidFill>
+              <a:latin typeface="Merriweather Sans" panose="02000503060000020004" pitchFamily="2" charset="0"/>
+            </a:endParaRPr>
+          </a:p>
+        </p:txBody>
+      </p:sp>
+      <p:sp>
+        <p:nvSpPr>
+          <p:cNvPr id="72" name="Rechteck 71"/>
+          <p:cNvSpPr/>
+          <p:nvPr/>
+        </p:nvSpPr>
+        <p:spPr>
+          <a:xfrm rot="19642999">
+            <a:off x="4323978" y="4752397"/>
+            <a:ext cx="314510" cy="338554"/>
+          </a:xfrm>
+          <a:prstGeom prst="rect">
+            <a:avLst/>
+          </a:prstGeom>
+          <a:noFill/>
+        </p:spPr>
+        <p:txBody>
+          <a:bodyPr wrap="none" rtlCol="0">
+            <a:spAutoFit/>
+          </a:bodyPr>
+          <a:lstStyle/>
+          <a:p>
+            <a:pPr algn="ctr"/>
+            <a:r>
+              <a:rPr lang="de-DE" sz="1600" dirty="0" smtClean="0">
+                <a:solidFill>
+                  <a:srgbClr val="195B8B"/>
+                </a:solidFill>
+                <a:latin typeface="Merriweather Sans" panose="02000503060000020004" pitchFamily="2" charset="0"/>
+              </a:rPr>
+              <a:t>T</a:t>
+            </a:r>
+            <a:endParaRPr lang="en-US" sz="1600" dirty="0">
+              <a:solidFill>
+                <a:srgbClr val="195B8B"/>
+              </a:solidFill>
+              <a:latin typeface="Merriweather Sans" panose="02000503060000020004" pitchFamily="2" charset="0"/>
+            </a:endParaRPr>
+          </a:p>
+        </p:txBody>
+      </p:sp>
+      <p:sp>
+        <p:nvSpPr>
+          <p:cNvPr id="73" name="Rechteck 72"/>
+          <p:cNvSpPr/>
+          <p:nvPr/>
+        </p:nvSpPr>
+        <p:spPr>
+          <a:xfrm rot="19159073">
+            <a:off x="4456110" y="4657179"/>
+            <a:ext cx="344966" cy="338554"/>
+          </a:xfrm>
+          <a:prstGeom prst="rect">
+            <a:avLst/>
+          </a:prstGeom>
+          <a:noFill/>
+        </p:spPr>
+        <p:txBody>
+          <a:bodyPr wrap="none" rtlCol="0">
+            <a:spAutoFit/>
+          </a:bodyPr>
+          <a:lstStyle/>
+          <a:p>
+            <a:pPr algn="ctr"/>
+            <a:r>
+              <a:rPr lang="de-DE" sz="1600" dirty="0" smtClean="0">
+                <a:solidFill>
+                  <a:srgbClr val="195B8B"/>
+                </a:solidFill>
+                <a:latin typeface="Merriweather Sans" panose="02000503060000020004" pitchFamily="2" charset="0"/>
+              </a:rPr>
+              <a:t>O</a:t>
+            </a:r>
+            <a:endParaRPr lang="en-US" sz="1600" dirty="0">
+              <a:solidFill>
+                <a:srgbClr val="195B8B"/>
+              </a:solidFill>
+              <a:latin typeface="Merriweather Sans" panose="02000503060000020004" pitchFamily="2" charset="0"/>
+            </a:endParaRPr>
+          </a:p>
+        </p:txBody>
+      </p:sp>
+      <p:sp>
+        <p:nvSpPr>
+          <p:cNvPr id="74" name="Rechteck 73"/>
+          <p:cNvSpPr/>
+          <p:nvPr/>
+        </p:nvSpPr>
+        <p:spPr>
+          <a:xfrm rot="18585555">
+            <a:off x="4597656" y="4522106"/>
+            <a:ext cx="327334" cy="338554"/>
+          </a:xfrm>
+          <a:prstGeom prst="rect">
+            <a:avLst/>
+          </a:prstGeom>
+          <a:noFill/>
+        </p:spPr>
+        <p:txBody>
+          <a:bodyPr wrap="none" rtlCol="0">
+            <a:spAutoFit/>
+          </a:bodyPr>
+          <a:lstStyle/>
+          <a:p>
+            <a:pPr algn="ctr"/>
+            <a:r>
+              <a:rPr lang="de-DE" sz="1600" dirty="0" smtClean="0">
+                <a:solidFill>
+                  <a:srgbClr val="195B8B"/>
+                </a:solidFill>
+                <a:latin typeface="Merriweather Sans" panose="02000503060000020004" pitchFamily="2" charset="0"/>
+              </a:rPr>
+              <a:t>R</a:t>
+            </a:r>
+            <a:endParaRPr lang="en-US" sz="1600" dirty="0">
+              <a:solidFill>
+                <a:srgbClr val="195B8B"/>
+              </a:solidFill>
+              <a:latin typeface="Merriweather Sans" panose="02000503060000020004" pitchFamily="2" charset="0"/>
+            </a:endParaRPr>
+          </a:p>
+        </p:txBody>
+      </p:sp>
+      <p:sp>
+        <p:nvSpPr>
+          <p:cNvPr id="75" name="Rechteck 74"/>
+          <p:cNvSpPr/>
+          <p:nvPr/>
+        </p:nvSpPr>
+        <p:spPr>
+          <a:xfrm rot="18117434">
+            <a:off x="4714535" y="4366996"/>
+            <a:ext cx="308098" cy="338554"/>
+          </a:xfrm>
+          <a:prstGeom prst="rect">
+            <a:avLst/>
+          </a:prstGeom>
+          <a:noFill/>
+        </p:spPr>
+        <p:txBody>
+          <a:bodyPr wrap="none" rtlCol="0">
+            <a:spAutoFit/>
+          </a:bodyPr>
+          <a:lstStyle/>
+          <a:p>
+            <a:pPr algn="ctr"/>
+            <a:r>
+              <a:rPr lang="de-DE" sz="1600" dirty="0" smtClean="0">
+                <a:solidFill>
+                  <a:srgbClr val="195B8B"/>
+                </a:solidFill>
+                <a:latin typeface="Merriweather Sans" panose="02000503060000020004" pitchFamily="2" charset="0"/>
+              </a:rPr>
+              <a:t>S</a:t>
+            </a:r>
+            <a:endParaRPr lang="en-US" sz="1600" dirty="0">
+              <a:solidFill>
+                <a:srgbClr val="195B8B"/>
+              </a:solidFill>
+              <a:latin typeface="Merriweather Sans" panose="02000503060000020004" pitchFamily="2" charset="0"/>
+            </a:endParaRPr>
+          </a:p>
+        </p:txBody>
+      </p:sp>
+      <p:grpSp>
+        <p:nvGrpSpPr>
+          <p:cNvPr id="76" name="Gruppieren 75"/>
+          <p:cNvGrpSpPr/>
+          <p:nvPr/>
+        </p:nvGrpSpPr>
+        <p:grpSpPr>
+          <a:xfrm>
+            <a:off x="1767402" y="272669"/>
+            <a:ext cx="1440003" cy="1440000"/>
+            <a:chOff x="824652" y="169945"/>
+            <a:chExt cx="1440003" cy="1440000"/>
+          </a:xfrm>
+          <a:solidFill>
+            <a:srgbClr val="195B8B"/>
+          </a:solidFill>
+        </p:grpSpPr>
+        <p:sp>
+          <p:nvSpPr>
+            <p:cNvPr id="77" name="Ellipse 76"/>
+            <p:cNvSpPr/>
+            <p:nvPr/>
+          </p:nvSpPr>
+          <p:spPr>
+            <a:xfrm>
+              <a:off x="824652" y="169945"/>
+              <a:ext cx="1440000" cy="1440000"/>
+            </a:xfrm>
+            <a:prstGeom prst="ellipse">
+              <a:avLst/>
+            </a:prstGeom>
+            <a:grpFill/>
+            <a:ln>
+              <a:solidFill>
+                <a:schemeClr val="bg1"/>
+              </a:solidFill>
+            </a:ln>
+          </p:spPr>
+          <p:style>
+            <a:lnRef idx="2">
+              <a:schemeClr val="accent1">
+                <a:shade val="50000"/>
+              </a:schemeClr>
+            </a:lnRef>
+            <a:fillRef idx="1">
+              <a:schemeClr val="accent1"/>
+            </a:fillRef>
+            <a:effectRef idx="0">
+              <a:schemeClr val="accent1"/>
+            </a:effectRef>
+            <a:fontRef idx="minor">
+              <a:schemeClr val="lt1"/>
+            </a:fontRef>
+          </p:style>
+          <p:txBody>
+            <a:bodyPr rtlCol="0" anchor="ctr"/>
+            <a:lstStyle/>
+            <a:p>
+              <a:pPr algn="ctr"/>
+              <a:endParaRPr lang="en-US" sz="1600" dirty="0">
+                <a:latin typeface="Merriweather Sans" panose="02000503060000020004" pitchFamily="2" charset="0"/>
+              </a:endParaRPr>
+            </a:p>
+          </p:txBody>
+        </p:sp>
+        <p:sp>
+          <p:nvSpPr>
+            <p:cNvPr id="78" name="Rechteck 77"/>
+            <p:cNvSpPr/>
+            <p:nvPr/>
+          </p:nvSpPr>
+          <p:spPr>
+            <a:xfrm>
+              <a:off x="824653" y="617596"/>
+              <a:ext cx="1440002" cy="584775"/>
+            </a:xfrm>
+            <a:prstGeom prst="rect">
+              <a:avLst/>
+            </a:prstGeom>
+            <a:noFill/>
+          </p:spPr>
+          <p:txBody>
+            <a:bodyPr wrap="square">
+              <a:spAutoFit/>
+            </a:bodyPr>
+            <a:lstStyle/>
+            <a:p>
+              <a:pPr algn="ctr"/>
+              <a:r>
+                <a:rPr lang="en-US" sz="1600" dirty="0" smtClean="0">
+                  <a:solidFill>
+                    <a:schemeClr val="bg1"/>
+                  </a:solidFill>
+                  <a:latin typeface="Merriweather Sans" panose="02000503060000020004" pitchFamily="2" charset="0"/>
+                  <a:ea typeface="Microsoft Sans Serif" panose="020B0604020202020204" pitchFamily="34" charset="0"/>
+                  <a:cs typeface="Microsoft Sans Serif" panose="020B0604020202020204" pitchFamily="34" charset="0"/>
+                </a:rPr>
+                <a:t>SC Content Manager</a:t>
+              </a:r>
+              <a:endParaRPr lang="en-US" sz="1600" dirty="0">
+                <a:solidFill>
+                  <a:srgbClr val="D20015"/>
+                </a:solidFill>
+                <a:latin typeface="Merriweather Sans" panose="02000503060000020004" pitchFamily="2" charset="0"/>
+                <a:ea typeface="Microsoft Sans Serif" panose="020B0604020202020204" pitchFamily="34" charset="0"/>
+                <a:cs typeface="Microsoft Sans Serif" panose="020B0604020202020204" pitchFamily="34" charset="0"/>
+              </a:endParaRPr>
+            </a:p>
+          </p:txBody>
+        </p:sp>
+      </p:grpSp>
+      <p:sp>
+        <p:nvSpPr>
+          <p:cNvPr id="79" name="Rechteck 78"/>
+          <p:cNvSpPr/>
+          <p:nvPr/>
+        </p:nvSpPr>
+        <p:spPr>
+          <a:xfrm>
+            <a:off x="3082634" y="3889941"/>
+            <a:ext cx="1476686" cy="584775"/>
+          </a:xfrm>
+          <a:prstGeom prst="rect">
+            <a:avLst/>
+          </a:prstGeom>
+          <a:solidFill>
+            <a:srgbClr val="195B8B"/>
+          </a:solidFill>
+        </p:spPr>
+        <p:txBody>
+          <a:bodyPr wrap="none">
+            <a:spAutoFit/>
+          </a:bodyPr>
+          <a:lstStyle/>
+          <a:p>
+            <a:pPr algn="ctr"/>
+            <a:r>
+              <a:rPr lang="en-US" sz="3200" dirty="0" smtClean="0">
+                <a:solidFill>
+                  <a:srgbClr val="FF5252"/>
+                </a:solidFill>
+                <a:latin typeface="Merriweather Sans" panose="02000503060000020004" pitchFamily="2" charset="0"/>
+                <a:ea typeface="Microsoft Sans Serif" panose="020B0604020202020204" pitchFamily="34" charset="0"/>
+                <a:cs typeface="Microsoft Sans Serif" panose="020B0604020202020204" pitchFamily="34" charset="0"/>
+              </a:rPr>
+              <a:t>Cortex</a:t>
+            </a:r>
+            <a:endParaRPr lang="en-US" sz="3200" dirty="0" smtClean="0">
+              <a:solidFill>
+                <a:srgbClr val="FF5252"/>
+              </a:solidFill>
+              <a:latin typeface="Merriweather Sans" panose="02000503060000020004" pitchFamily="2" charset="0"/>
+              <a:ea typeface="Microsoft Sans Serif" panose="020B0604020202020204" pitchFamily="34" charset="0"/>
+              <a:cs typeface="Microsoft Sans Serif" panose="020B0604020202020204" pitchFamily="34" charset="0"/>
+            </a:endParaRPr>
           </a:p>
         </p:txBody>
       </p:sp>
